--- a/docs/index.pptx
+++ b/docs/index.pptx
@@ -10,6 +10,7 @@
     <p:sldId id="258" r:id="rId4"/>
     <p:sldId id="259" r:id="rId5"/>
     <p:sldId id="260" r:id="rId6"/>
+    <p:sldId id="261" r:id="rId7"/>
   </p:sldIdLst>
   <p:sldSz cx="9144000" cy="5143500" type="screen16x9"/>
   <p:notesSz cx="6858000" cy="9144000"/>
@@ -3119,7 +3120,7 @@
             <a:br/>
             <a:r>
               <a:rPr/>
-              <a:t>N = 126 surveys were completed between October 21 and 29, 2025.</a:t>
+              <a:t>N = 127 surveys were completed between October 21 and 29, 2025.</a:t>
             </a:r>
           </a:p>
         </p:txBody>
@@ -3397,7 +3398,7 @@
             </a:pPr>
             <a:r>
               <a:rPr/>
-              <a:t>Confidence in MAC’s Ability to Fulfill Purpose</a:t>
+              <a:t>Confidence in MAC’s Ability to Fulfill Its Purpose</a:t>
             </a:r>
           </a:p>
         </p:txBody>
@@ -3405,6 +3406,83 @@
       <p:pic>
         <p:nvPicPr>
           <p:cNvPr descr="index_files/figure-pptx/unnamed-chunk-5-1.png" id="0" name="Picture 1"/>
+          <p:cNvPicPr>
+            <a:picLocks noGrp="1" noChangeAspect="1"/>
+          </p:cNvPicPr>
+          <p:nvPr/>
+        </p:nvPicPr>
+        <p:blipFill>
+          <a:blip r:embed="rId2"/>
+          <a:stretch>
+            <a:fillRect/>
+          </a:stretch>
+        </p:blipFill>
+        <p:spPr bwMode="auto">
+          <a:xfrm>
+            <a:off x="1181100" y="1193800"/>
+            <a:ext cx="6781800" cy="3390900"/>
+          </a:xfrm>
+          <a:prstGeom prst="rect">
+            <a:avLst/>
+          </a:prstGeom>
+          <a:noFill/>
+          <a:ln w="9525">
+            <a:noFill/>
+            <a:headEnd/>
+            <a:tailEnd/>
+          </a:ln>
+        </p:spPr>
+      </p:pic>
+    </p:spTree>
+  </p:cSld>
+</p:sld>
+</file>
+
+<file path=ppt/slides/slide6.xml><?xml version="1.0" encoding="utf-8"?>
+<p:sld xmlns:a="http://schemas.openxmlformats.org/drawingml/2006/main" xmlns:r="http://schemas.openxmlformats.org/officeDocument/2006/relationships" xmlns:p="http://schemas.openxmlformats.org/presentationml/2006/main">
+  <p:cSld>
+    <p:spTree>
+      <p:nvGrpSpPr>
+        <p:cNvPr id="1" name=""/>
+        <p:cNvGrpSpPr/>
+        <p:nvPr/>
+      </p:nvGrpSpPr>
+      <p:grpSpPr>
+        <a:xfrm>
+          <a:off x="0" y="0"/>
+          <a:ext cx="0" cy="0"/>
+          <a:chOff x="0" y="0"/>
+          <a:chExt cx="0" cy="0"/>
+        </a:xfrm>
+      </p:grpSpPr>
+      <p:sp>
+        <p:nvSpPr>
+          <p:cNvPr id="2" name="Title 1"/>
+          <p:cNvSpPr>
+            <a:spLocks noGrp="1"/>
+          </p:cNvSpPr>
+          <p:nvPr>
+            <p:ph type="title"/>
+          </p:nvPr>
+        </p:nvSpPr>
+        <p:spPr/>
+        <p:txBody>
+          <a:bodyPr/>
+          <a:lstStyle/>
+          <a:p>
+            <a:pPr lvl="0" indent="0" marL="0">
+              <a:buNone/>
+            </a:pPr>
+            <a:r>
+              <a:rPr/>
+              <a:t>Feedback on MAC’s Process and Services</a:t>
+            </a:r>
+          </a:p>
+        </p:txBody>
+      </p:sp>
+      <p:pic>
+        <p:nvPicPr>
+          <p:cNvPr descr="index_files/figure-pptx/unnamed-chunk-6-1.png" id="0" name="Picture 1"/>
           <p:cNvPicPr>
             <a:picLocks noGrp="1" noChangeAspect="1"/>
           </p:cNvPicPr>

--- a/docs/index.pptx
+++ b/docs/index.pptx
@@ -11,6 +11,8 @@
     <p:sldId id="259" r:id="rId5"/>
     <p:sldId id="260" r:id="rId6"/>
     <p:sldId id="261" r:id="rId7"/>
+    <p:sldId id="262" r:id="rId8"/>
+    <p:sldId id="263" r:id="rId9"/>
   </p:sldIdLst>
   <p:sldSz cx="9144000" cy="5143500" type="screen16x9"/>
   <p:notesSz cx="6858000" cy="9144000"/>
@@ -3120,7 +3122,7 @@
             <a:br/>
             <a:r>
               <a:rPr/>
-              <a:t>N = 127 surveys were completed between October 21 and 29, 2025.</a:t>
+              <a:t>N = 127</a:t>
             </a:r>
           </a:p>
         </p:txBody>
@@ -3498,6 +3500,190 @@
           <a:xfrm>
             <a:off x="1181100" y="1193800"/>
             <a:ext cx="6781800" cy="3390900"/>
+          </a:xfrm>
+          <a:prstGeom prst="rect">
+            <a:avLst/>
+          </a:prstGeom>
+          <a:noFill/>
+          <a:ln w="9525">
+            <a:noFill/>
+            <a:headEnd/>
+            <a:tailEnd/>
+          </a:ln>
+        </p:spPr>
+      </p:pic>
+    </p:spTree>
+  </p:cSld>
+</p:sld>
+</file>
+
+<file path=ppt/slides/slide7.xml><?xml version="1.0" encoding="utf-8"?>
+<p:sld xmlns:a="http://schemas.openxmlformats.org/drawingml/2006/main" xmlns:r="http://schemas.openxmlformats.org/officeDocument/2006/relationships" xmlns:p="http://schemas.openxmlformats.org/presentationml/2006/main">
+  <p:cSld>
+    <p:spTree>
+      <p:nvGrpSpPr>
+        <p:cNvPr id="1" name=""/>
+        <p:cNvGrpSpPr/>
+        <p:nvPr/>
+      </p:nvGrpSpPr>
+      <p:grpSpPr>
+        <a:xfrm>
+          <a:off x="0" y="0"/>
+          <a:ext cx="0" cy="0"/>
+          <a:chOff x="0" y="0"/>
+          <a:chExt cx="0" cy="0"/>
+        </a:xfrm>
+      </p:grpSpPr>
+      <p:sp>
+        <p:nvSpPr>
+          <p:cNvPr id="2" name="Title 1"/>
+          <p:cNvSpPr>
+            <a:spLocks noGrp="1"/>
+          </p:cNvSpPr>
+          <p:nvPr>
+            <p:ph type="title"/>
+          </p:nvPr>
+        </p:nvSpPr>
+        <p:spPr/>
+        <p:txBody>
+          <a:bodyPr/>
+          <a:lstStyle/>
+          <a:p>
+            <a:pPr lvl="0" indent="0" marL="0">
+              <a:buNone/>
+            </a:pPr>
+            <a:r>
+              <a:rPr/>
+              <a:t>MAC’s Connection to Arts &amp; Cultural Community’s Needs and Realities</a:t>
+            </a:r>
+          </a:p>
+        </p:txBody>
+      </p:sp>
+      <p:pic>
+        <p:nvPicPr>
+          <p:cNvPr descr="index_files/figure-pptx/unnamed-chunk-7-1.png" id="0" name="Picture 1"/>
+          <p:cNvPicPr>
+            <a:picLocks noGrp="1" noChangeAspect="1"/>
+          </p:cNvPicPr>
+          <p:nvPr/>
+        </p:nvPicPr>
+        <p:blipFill>
+          <a:blip r:embed="rId2"/>
+          <a:stretch>
+            <a:fillRect/>
+          </a:stretch>
+        </p:blipFill>
+        <p:spPr bwMode="auto">
+          <a:xfrm>
+            <a:off x="1181100" y="1193800"/>
+            <a:ext cx="6781800" cy="3390900"/>
+          </a:xfrm>
+          <a:prstGeom prst="rect">
+            <a:avLst/>
+          </a:prstGeom>
+          <a:noFill/>
+          <a:ln w="9525">
+            <a:noFill/>
+            <a:headEnd/>
+            <a:tailEnd/>
+          </a:ln>
+        </p:spPr>
+      </p:pic>
+    </p:spTree>
+  </p:cSld>
+</p:sld>
+</file>
+
+<file path=ppt/slides/slide8.xml><?xml version="1.0" encoding="utf-8"?>
+<p:sld xmlns:a="http://schemas.openxmlformats.org/drawingml/2006/main" xmlns:r="http://schemas.openxmlformats.org/officeDocument/2006/relationships" xmlns:p="http://schemas.openxmlformats.org/presentationml/2006/main">
+  <p:cSld>
+    <p:spTree>
+      <p:nvGrpSpPr>
+        <p:cNvPr id="1" name=""/>
+        <p:cNvGrpSpPr/>
+        <p:nvPr/>
+      </p:nvGrpSpPr>
+      <p:grpSpPr>
+        <a:xfrm>
+          <a:off x="0" y="0"/>
+          <a:ext cx="0" cy="0"/>
+          <a:chOff x="0" y="0"/>
+          <a:chExt cx="0" cy="0"/>
+        </a:xfrm>
+      </p:grpSpPr>
+      <p:sp>
+        <p:nvSpPr>
+          <p:cNvPr id="2" name="Title 1"/>
+          <p:cNvSpPr>
+            <a:spLocks noGrp="1"/>
+          </p:cNvSpPr>
+          <p:nvPr>
+            <p:ph type="title"/>
+          </p:nvPr>
+        </p:nvSpPr>
+        <p:spPr>
+          <a:xfrm>
+            <a:off x="457201" y="204787"/>
+            <a:ext cx="3008313" cy="871538"/>
+          </a:xfrm>
+        </p:spPr>
+        <p:txBody>
+          <a:bodyPr/>
+          <a:lstStyle/>
+          <a:p>
+            <a:pPr lvl="0" indent="0" marL="0">
+              <a:buNone/>
+            </a:pPr>
+            <a:r>
+              <a:rPr/>
+              <a:t>Rank Distribution of Areas Needing Enhacement</a:t>
+            </a:r>
+          </a:p>
+        </p:txBody>
+      </p:sp>
+      <p:sp>
+        <p:nvSpPr>
+          <p:cNvPr id="4" name="Text Placeholder 3"/>
+          <p:cNvSpPr>
+            <a:spLocks noGrp="1"/>
+          </p:cNvSpPr>
+          <p:nvPr>
+            <p:ph idx="2" sz="half" type="body"/>
+          </p:nvPr>
+        </p:nvSpPr>
+        <p:spPr/>
+        <p:txBody>
+          <a:bodyPr/>
+          <a:lstStyle/>
+          <a:p>
+            <a:pPr lvl="0" indent="0" marL="0">
+              <a:buNone/>
+            </a:pPr>
+            <a:r>
+              <a:rPr/>
+              <a:t>Each row in the grid represents an item on the the list. Each column represents a rank starting from the lowest rank (9) to the highest rank (1) on the right. The colour of the square represents the proportion of people assigning the corresponding rank to each item. The darker the colour, the higher the proportion of respondents assigning that rank.</a:t>
+            </a:r>
+          </a:p>
+        </p:txBody>
+      </p:sp>
+      <p:pic>
+        <p:nvPicPr>
+          <p:cNvPr descr="index_files/figure-pptx/unnamed-chunk-8-1.png" id="0" name="Picture 1"/>
+          <p:cNvPicPr>
+            <a:picLocks noGrp="1" noChangeAspect="1"/>
+          </p:cNvPicPr>
+          <p:nvPr/>
+        </p:nvPicPr>
+        <p:blipFill>
+          <a:blip r:embed="rId2"/>
+          <a:stretch>
+            <a:fillRect/>
+          </a:stretch>
+        </p:blipFill>
+        <p:spPr bwMode="auto">
+          <a:xfrm>
+            <a:off x="3568700" y="1117600"/>
+            <a:ext cx="5105400" cy="2552700"/>
           </a:xfrm>
           <a:prstGeom prst="rect">
             <a:avLst/>

--- a/docs/index.pptx
+++ b/docs/index.pptx
@@ -3117,12 +3117,12 @@
             </a:pPr>
             <a:r>
               <a:rPr/>
-              <a:t>Updated October 23, 2025</a:t>
+              <a:t>Updated October 24, 2025</a:t>
             </a:r>
             <a:br/>
             <a:r>
               <a:rPr/>
-              <a:t>N = 127</a:t>
+              <a:t>N = 129</a:t>
             </a:r>
           </a:p>
         </p:txBody>
